--- a/PHASE 3 FINAL FILES/05_Team3_Presentation.pptx
+++ b/PHASE 3 FINAL FILES/05_Team3_Presentation.pptx
@@ -254,6 +254,11 @@
       </a:defRPr>
     </a:lvl9pPr>
   </p:defaultTextStyle>
+  <p:extLst>
+    <p:ext uri="{EFAFB233-063F-42B5-8137-9DF3F51BA10A}">
+      <p15:sldGuideLst xmlns:p15="http://schemas.microsoft.com/office/powerpoint/2012/main"/>
+    </p:ext>
+  </p:extLst>
 </p:presentation>
 </file>
 
@@ -32985,13 +32990,19 @@
       </p:grpSpPr>
       <p:pic>
         <p:nvPicPr>
-          <p:cNvPr id="260" name="Shape 260"/>
-          <p:cNvPicPr preferRelativeResize="0"/>
+          <p:cNvPr id="3" name="Picture 2"/>
+          <p:cNvPicPr>
+            <a:picLocks noChangeAspect="1"/>
+          </p:cNvPicPr>
           <p:nvPr/>
         </p:nvPicPr>
         <p:blipFill>
           <a:blip r:embed="rId3">
-            <a:alphaModFix/>
+            <a:extLst>
+              <a:ext uri="{28A0092B-C50C-407E-A947-70E740481C1C}">
+                <a14:useLocalDpi xmlns:a14="http://schemas.microsoft.com/office/drawing/2010/main" val="0"/>
+              </a:ext>
+            </a:extLst>
           </a:blip>
           <a:stretch>
             <a:fillRect/>
@@ -32999,16 +33010,12 @@
         </p:blipFill>
         <p:spPr>
           <a:xfrm>
-            <a:off x="274125" y="644998"/>
-            <a:ext cx="8362224" cy="5552027"/>
+            <a:off x="1187496" y="701477"/>
+            <a:ext cx="6774658" cy="4504232"/>
           </a:xfrm>
           <a:prstGeom prst="rect">
             <a:avLst/>
           </a:prstGeom>
-          <a:noFill/>
-          <a:ln>
-            <a:noFill/>
-          </a:ln>
         </p:spPr>
       </p:pic>
       <p:sp>
@@ -33081,8 +33088,8 @@
         </p:nvSpPr>
         <p:spPr>
           <a:xfrm>
-            <a:off x="3091450" y="644387"/>
-            <a:ext cx="5697299" cy="2788200"/>
+            <a:off x="1532714" y="623911"/>
+            <a:ext cx="7055738" cy="2904473"/>
           </a:xfrm>
           <a:prstGeom prst="ellipse">
             <a:avLst/>
@@ -33135,74 +33142,14 @@
       </p:sp>
       <p:sp>
         <p:nvSpPr>
-          <p:cNvPr id="263" name="Shape 263"/>
-          <p:cNvSpPr/>
-          <p:nvPr/>
-        </p:nvSpPr>
-        <p:spPr>
-          <a:xfrm>
-            <a:off x="0" y="2774811"/>
-            <a:ext cx="4572000" cy="3535799"/>
-          </a:xfrm>
-          <a:prstGeom prst="ellipse">
-            <a:avLst/>
-          </a:prstGeom>
-          <a:noFill/>
-          <a:ln w="28575" cap="flat" cmpd="sng">
-            <a:solidFill>
-              <a:srgbClr val="FFFF00"/>
-            </a:solidFill>
-            <a:prstDash val="solid"/>
-            <a:round/>
-            <a:headEnd type="none" w="med" len="med"/>
-            <a:tailEnd type="none" w="med" len="med"/>
-          </a:ln>
-        </p:spPr>
-        <p:txBody>
-          <a:bodyPr lIns="91425" tIns="91425" rIns="91425" bIns="91425" anchor="ctr" anchorCtr="0">
-            <a:noAutofit/>
-          </a:bodyPr>
-          <a:lstStyle/>
-          <a:p>
-            <a:pPr marL="0" marR="0" lvl="0" indent="0" algn="l" rtl="0">
-              <a:lnSpc>
-                <a:spcPct val="100000"/>
-              </a:lnSpc>
-              <a:spcBef>
-                <a:spcPts val="0"/>
-              </a:spcBef>
-              <a:spcAft>
-                <a:spcPts val="0"/>
-              </a:spcAft>
-              <a:buClr>
-                <a:srgbClr val="000000"/>
-              </a:buClr>
-              <a:buFont typeface="Arial"/>
-              <a:buNone/>
-            </a:pPr>
-            <a:endParaRPr sz="1400" b="0" i="0" u="none" strike="noStrike" cap="none" baseline="0">
-              <a:solidFill>
-                <a:srgbClr val="000000"/>
-              </a:solidFill>
-              <a:latin typeface="Arial"/>
-              <a:ea typeface="Arial"/>
-              <a:cs typeface="Arial"/>
-              <a:sym typeface="Arial"/>
-              <a:rtl val="0"/>
-            </a:endParaRPr>
-          </a:p>
-        </p:txBody>
-      </p:sp>
-      <p:sp>
-        <p:nvSpPr>
           <p:cNvPr id="264" name="Shape 264"/>
           <p:cNvSpPr/>
           <p:nvPr/>
         </p:nvSpPr>
         <p:spPr>
           <a:xfrm>
-            <a:off x="4191000" y="3346487"/>
-            <a:ext cx="3732900" cy="2979600"/>
+            <a:off x="3581397" y="3206974"/>
+            <a:ext cx="3573513" cy="2172098"/>
           </a:xfrm>
           <a:prstGeom prst="ellipse">
             <a:avLst/>
@@ -33316,13 +33263,13 @@
       </p:sp>
       <p:sp>
         <p:nvSpPr>
-          <p:cNvPr id="266" name="Shape 266"/>
+          <p:cNvPr id="267" name="Shape 267"/>
           <p:cNvSpPr txBox="1"/>
           <p:nvPr/>
         </p:nvSpPr>
         <p:spPr>
           <a:xfrm>
-            <a:off x="1817375" y="5654675"/>
+            <a:off x="4595011" y="3843584"/>
             <a:ext cx="2559899" cy="416098"/>
           </a:xfrm>
           <a:prstGeom prst="rect">
@@ -33357,68 +33304,7 @@
               <a:buNone/>
             </a:pPr>
             <a:r>
-              <a:rPr lang="en-CA" sz="1800" b="1" i="0" u="none" strike="noStrike" cap="none" baseline="0">
-                <a:solidFill>
-                  <a:srgbClr val="000000"/>
-                </a:solidFill>
-                <a:highlight>
-                  <a:srgbClr val="FFFF00"/>
-                </a:highlight>
-                <a:latin typeface="Arial"/>
-                <a:ea typeface="Arial"/>
-                <a:cs typeface="Arial"/>
-                <a:sym typeface="Arial"/>
-                <a:rtl val="0"/>
-              </a:rPr>
-              <a:t>Products/Workshops/Courses Webpages</a:t>
-            </a:r>
-          </a:p>
-        </p:txBody>
-      </p:sp>
-      <p:sp>
-        <p:nvSpPr>
-          <p:cNvPr id="267" name="Shape 267"/>
-          <p:cNvSpPr txBox="1"/>
-          <p:nvPr/>
-        </p:nvSpPr>
-        <p:spPr>
-          <a:xfrm>
-            <a:off x="5286250" y="4628237"/>
-            <a:ext cx="2559899" cy="416098"/>
-          </a:xfrm>
-          <a:prstGeom prst="rect">
-            <a:avLst/>
-          </a:prstGeom>
-          <a:noFill/>
-          <a:ln>
-            <a:noFill/>
-          </a:ln>
-        </p:spPr>
-        <p:txBody>
-          <a:bodyPr lIns="91425" tIns="91425" rIns="91425" bIns="91425" anchor="t" anchorCtr="0">
-            <a:noAutofit/>
-          </a:bodyPr>
-          <a:lstStyle/>
-          <a:p>
-            <a:pPr marL="0" marR="0" lvl="0" indent="0" algn="ctr" rtl="0">
-              <a:lnSpc>
-                <a:spcPct val="100000"/>
-              </a:lnSpc>
-              <a:spcBef>
-                <a:spcPts val="0"/>
-              </a:spcBef>
-              <a:spcAft>
-                <a:spcPts val="0"/>
-              </a:spcAft>
-              <a:buClr>
-                <a:srgbClr val="000000"/>
-              </a:buClr>
-              <a:buSzPct val="25000"/>
-              <a:buFont typeface="Arial"/>
-              <a:buNone/>
-            </a:pPr>
-            <a:r>
-              <a:rPr lang="en-CA" sz="1800" b="1" i="0" u="none" strike="noStrike" cap="none" baseline="0">
+              <a:rPr lang="en-CA" sz="1800" b="1" i="0" u="none" strike="noStrike" cap="none" baseline="0" dirty="0">
                 <a:solidFill>
                   <a:srgbClr val="000000"/>
                 </a:solidFill>
